--- a/Apresentação - LISTA DE TAREFAS.pptx
+++ b/Apresentação - LISTA DE TAREFAS.pptx
@@ -9,10 +9,11 @@
     <p:sldId id="257" r:id="rId3"/>
     <p:sldId id="258" r:id="rId4"/>
     <p:sldId id="259" r:id="rId5"/>
-    <p:sldId id="261" r:id="rId6"/>
-    <p:sldId id="262" r:id="rId7"/>
-    <p:sldId id="263" r:id="rId8"/>
-    <p:sldId id="260" r:id="rId9"/>
+    <p:sldId id="264" r:id="rId6"/>
+    <p:sldId id="261" r:id="rId7"/>
+    <p:sldId id="262" r:id="rId8"/>
+    <p:sldId id="263" r:id="rId9"/>
+    <p:sldId id="260" r:id="rId10"/>
   </p:sldIdLst>
   <p:sldSz cx="12192000" cy="6858000"/>
   <p:notesSz cx="6858000" cy="9144000"/>
@@ -331,7 +332,7 @@
             <a:fld id="{B61BEF0D-F0BB-DE4B-95CE-6DB70DBA9567}" type="datetimeFigureOut">
               <a:rPr lang="en-US" dirty="0"/>
               <a:pPr/>
-              <a:t>6/16/24</a:t>
+              <a:t>6/18/2024</a:t>
             </a:fld>
             <a:endParaRPr lang="en-US" dirty="0"/>
           </a:p>
@@ -619,7 +620,7 @@
             <a:fld id="{B61BEF0D-F0BB-DE4B-95CE-6DB70DBA9567}" type="datetimeFigureOut">
               <a:rPr lang="en-US" dirty="0"/>
               <a:pPr/>
-              <a:t>6/16/24</a:t>
+              <a:t>6/18/2024</a:t>
             </a:fld>
             <a:endParaRPr lang="en-US" dirty="0"/>
           </a:p>
@@ -879,7 +880,7 @@
             <a:fld id="{B61BEF0D-F0BB-DE4B-95CE-6DB70DBA9567}" type="datetimeFigureOut">
               <a:rPr lang="en-US" dirty="0"/>
               <a:pPr/>
-              <a:t>6/16/24</a:t>
+              <a:t>6/18/2024</a:t>
             </a:fld>
             <a:endParaRPr lang="en-US" dirty="0"/>
           </a:p>
@@ -1349,7 +1350,7 @@
             <a:fld id="{B61BEF0D-F0BB-DE4B-95CE-6DB70DBA9567}" type="datetimeFigureOut">
               <a:rPr lang="en-US" dirty="0"/>
               <a:pPr/>
-              <a:t>6/16/24</a:t>
+              <a:t>6/18/2024</a:t>
             </a:fld>
             <a:endParaRPr lang="en-US" dirty="0"/>
           </a:p>
@@ -1530,7 +1531,7 @@
             <a:fld id="{B61BEF0D-F0BB-DE4B-95CE-6DB70DBA9567}" type="datetimeFigureOut">
               <a:rPr lang="en-US" dirty="0"/>
               <a:pPr/>
-              <a:t>6/16/24</a:t>
+              <a:t>6/18/2024</a:t>
             </a:fld>
             <a:endParaRPr lang="en-US" dirty="0"/>
           </a:p>
@@ -2107,7 +2108,7 @@
             <a:fld id="{B61BEF0D-F0BB-DE4B-95CE-6DB70DBA9567}" type="datetimeFigureOut">
               <a:rPr lang="en-US" dirty="0"/>
               <a:pPr/>
-              <a:t>6/16/24</a:t>
+              <a:t>6/18/2024</a:t>
             </a:fld>
             <a:endParaRPr lang="en-US" dirty="0"/>
           </a:p>
@@ -2440,7 +2441,7 @@
             <a:fld id="{B61BEF0D-F0BB-DE4B-95CE-6DB70DBA9567}" type="datetimeFigureOut">
               <a:rPr lang="en-US" dirty="0"/>
               <a:pPr/>
-              <a:t>6/16/24</a:t>
+              <a:t>6/18/2024</a:t>
             </a:fld>
             <a:endParaRPr lang="en-US" dirty="0"/>
           </a:p>
@@ -2615,7 +2616,7 @@
             <a:fld id="{B61BEF0D-F0BB-DE4B-95CE-6DB70DBA9567}" type="datetimeFigureOut">
               <a:rPr lang="en-US" dirty="0"/>
               <a:pPr/>
-              <a:t>6/16/24</a:t>
+              <a:t>6/18/2024</a:t>
             </a:fld>
             <a:endParaRPr lang="en-US" dirty="0"/>
           </a:p>
@@ -2795,7 +2796,7 @@
             <a:fld id="{B61BEF0D-F0BB-DE4B-95CE-6DB70DBA9567}" type="datetimeFigureOut">
               <a:rPr lang="en-US" dirty="0"/>
               <a:pPr/>
-              <a:t>6/16/24</a:t>
+              <a:t>6/18/2024</a:t>
             </a:fld>
             <a:endParaRPr lang="en-US" dirty="0"/>
           </a:p>
@@ -2965,7 +2966,7 @@
             <a:fld id="{B61BEF0D-F0BB-DE4B-95CE-6DB70DBA9567}" type="datetimeFigureOut">
               <a:rPr lang="en-US" dirty="0"/>
               <a:pPr/>
-              <a:t>6/16/24</a:t>
+              <a:t>6/18/2024</a:t>
             </a:fld>
             <a:endParaRPr lang="en-US" dirty="0"/>
           </a:p>
@@ -3223,7 +3224,7 @@
             <a:fld id="{B61BEF0D-F0BB-DE4B-95CE-6DB70DBA9567}" type="datetimeFigureOut">
               <a:rPr lang="en-US" dirty="0"/>
               <a:pPr/>
-              <a:t>6/16/24</a:t>
+              <a:t>6/18/2024</a:t>
             </a:fld>
             <a:endParaRPr lang="en-US" dirty="0"/>
           </a:p>
@@ -3514,7 +3515,7 @@
             <a:fld id="{B61BEF0D-F0BB-DE4B-95CE-6DB70DBA9567}" type="datetimeFigureOut">
               <a:rPr lang="en-US" dirty="0"/>
               <a:pPr/>
-              <a:t>6/16/24</a:t>
+              <a:t>6/18/2024</a:t>
             </a:fld>
             <a:endParaRPr lang="en-US" dirty="0"/>
           </a:p>
@@ -3943,7 +3944,7 @@
             <a:fld id="{B61BEF0D-F0BB-DE4B-95CE-6DB70DBA9567}" type="datetimeFigureOut">
               <a:rPr lang="en-US" dirty="0"/>
               <a:pPr/>
-              <a:t>6/16/24</a:t>
+              <a:t>6/18/2024</a:t>
             </a:fld>
             <a:endParaRPr lang="en-US" dirty="0"/>
           </a:p>
@@ -4062,7 +4063,7 @@
             <a:fld id="{B61BEF0D-F0BB-DE4B-95CE-6DB70DBA9567}" type="datetimeFigureOut">
               <a:rPr lang="en-US" dirty="0"/>
               <a:pPr/>
-              <a:t>6/16/24</a:t>
+              <a:t>6/18/2024</a:t>
             </a:fld>
             <a:endParaRPr lang="en-US" dirty="0"/>
           </a:p>
@@ -4159,7 +4160,7 @@
             <a:fld id="{B61BEF0D-F0BB-DE4B-95CE-6DB70DBA9567}" type="datetimeFigureOut">
               <a:rPr lang="en-US" dirty="0"/>
               <a:pPr/>
-              <a:t>6/16/24</a:t>
+              <a:t>6/18/2024</a:t>
             </a:fld>
             <a:endParaRPr lang="en-US" dirty="0"/>
           </a:p>
@@ -4442,7 +4443,7 @@
             <a:fld id="{B61BEF0D-F0BB-DE4B-95CE-6DB70DBA9567}" type="datetimeFigureOut">
               <a:rPr lang="en-US" dirty="0"/>
               <a:pPr/>
-              <a:t>6/16/24</a:t>
+              <a:t>6/18/2024</a:t>
             </a:fld>
             <a:endParaRPr lang="en-US" dirty="0"/>
           </a:p>
@@ -4730,7 +4731,7 @@
             <a:fld id="{B61BEF0D-F0BB-DE4B-95CE-6DB70DBA9567}" type="datetimeFigureOut">
               <a:rPr lang="en-US" dirty="0"/>
               <a:pPr/>
-              <a:t>6/16/24</a:t>
+              <a:t>6/18/2024</a:t>
             </a:fld>
             <a:endParaRPr lang="en-US" dirty="0"/>
           </a:p>
@@ -4989,7 +4990,7 @@
             <a:fld id="{B61BEF0D-F0BB-DE4B-95CE-6DB70DBA9567}" type="datetimeFigureOut">
               <a:rPr lang="en-US" dirty="0"/>
               <a:pPr/>
-              <a:t>6/16/24</a:t>
+              <a:t>6/18/2024</a:t>
             </a:fld>
             <a:endParaRPr lang="en-US" dirty="0"/>
           </a:p>
@@ -5970,6 +5971,102 @@
               <a:t>arthur</a:t>
             </a:r>
             <a:r>
+              <a:rPr lang="de-DE" sz="1600">
+                <a:gradFill flip="none">
+                  <a:gsLst>
+                    <a:gs pos="0">
+                      <a:srgbClr val="FFFFFF"/>
+                    </a:gs>
+                    <a:gs pos="100000">
+                      <a:srgbClr val="FFFFFF"/>
+                    </a:gs>
+                  </a:gsLst>
+                  <a:lin ang="5580000" scaled="0"/>
+                  <a:tileRect/>
+                </a:gradFill>
+                <a:effectLst>
+                  <a:glow rad="38100">
+                    <a:prstClr val="black">
+                      <a:lumMod val="65000"/>
+                      <a:lumOff val="35000"/>
+                      <a:alpha val="50000"/>
+                    </a:prstClr>
+                  </a:glow>
+                  <a:outerShdw blurRad="28575" dist="31750" dir="13200000" algn="tl" rotWithShape="0">
+                    <a:srgbClr val="000000">
+                      <a:alpha val="25000"/>
+                    </a:srgbClr>
+                  </a:outerShdw>
+                </a:effectLst>
+                <a:latin typeface="Aptos"/>
+              </a:rPr>
+              <a:t> aLIsson </a:t>
+            </a:r>
+            <a:r>
+              <a:rPr lang="de-DE" sz="1600" dirty="0">
+                <a:gradFill flip="none">
+                  <a:gsLst>
+                    <a:gs pos="0">
+                      <a:srgbClr val="FFFFFF"/>
+                    </a:gs>
+                    <a:gs pos="100000">
+                      <a:srgbClr val="FFFFFF"/>
+                    </a:gs>
+                  </a:gsLst>
+                  <a:lin ang="5580000" scaled="0"/>
+                  <a:tileRect/>
+                </a:gradFill>
+                <a:effectLst>
+                  <a:glow rad="38100">
+                    <a:prstClr val="black">
+                      <a:lumMod val="65000"/>
+                      <a:lumOff val="35000"/>
+                      <a:alpha val="50000"/>
+                    </a:prstClr>
+                  </a:glow>
+                  <a:outerShdw blurRad="28575" dist="31750" dir="13200000" algn="tl" rotWithShape="0">
+                    <a:srgbClr val="000000">
+                      <a:alpha val="25000"/>
+                    </a:srgbClr>
+                  </a:outerShdw>
+                </a:effectLst>
+                <a:latin typeface="Aptos"/>
+              </a:rPr>
+              <a:t>de </a:t>
+            </a:r>
+            <a:r>
+              <a:rPr lang="de-DE" sz="1600" err="1">
+                <a:gradFill flip="none">
+                  <a:gsLst>
+                    <a:gs pos="0">
+                      <a:srgbClr val="FFFFFF"/>
+                    </a:gs>
+                    <a:gs pos="100000">
+                      <a:srgbClr val="FFFFFF"/>
+                    </a:gs>
+                  </a:gsLst>
+                  <a:lin ang="5580000" scaled="0"/>
+                  <a:tileRect/>
+                </a:gradFill>
+                <a:effectLst>
+                  <a:glow rad="38100">
+                    <a:prstClr val="black">
+                      <a:lumMod val="65000"/>
+                      <a:lumOff val="35000"/>
+                      <a:alpha val="50000"/>
+                    </a:prstClr>
+                  </a:glow>
+                  <a:outerShdw blurRad="28575" dist="31750" dir="13200000" algn="tl" rotWithShape="0">
+                    <a:srgbClr val="000000">
+                      <a:alpha val="25000"/>
+                    </a:srgbClr>
+                  </a:outerShdw>
+                </a:effectLst>
+                <a:latin typeface="Aptos"/>
+              </a:rPr>
+              <a:t>brito</a:t>
+            </a:r>
+            <a:r>
               <a:rPr lang="de-DE" sz="1600" dirty="0">
                 <a:gradFill flip="none">
                   <a:gsLst>
@@ -6031,7 +6128,7 @@
                 </a:effectLst>
                 <a:latin typeface="Aptos"/>
               </a:rPr>
-              <a:t>aisson</a:t>
+              <a:t>freitas</a:t>
             </a:r>
             <a:r>
               <a:rPr lang="de-DE" sz="1600" dirty="0">
@@ -6063,8 +6160,27 @@
                 </a:effectLst>
                 <a:latin typeface="Aptos"/>
               </a:rPr>
-              <a:t> de </a:t>
-            </a:r>
+              <a:t> – RA 823152183</a:t>
+            </a:r>
+            <a:br>
+              <a:rPr lang="de-DE" sz="1600" dirty="0">
+                <a:effectLst>
+                  <a:glow rad="38100">
+                    <a:prstClr val="black">
+                      <a:lumMod val="65000"/>
+                      <a:lumOff val="35000"/>
+                      <a:alpha val="50000"/>
+                    </a:prstClr>
+                  </a:glow>
+                  <a:outerShdw blurRad="28575" dist="31750" dir="13200000" algn="tl" rotWithShape="0">
+                    <a:srgbClr val="000000">
+                      <a:alpha val="25000"/>
+                    </a:srgbClr>
+                  </a:outerShdw>
+                </a:effectLst>
+                <a:latin typeface="Aptos"/>
+              </a:rPr>
+            </a:br>
             <a:r>
               <a:rPr lang="de-DE" sz="1600" err="1">
                 <a:gradFill flip="none">
@@ -6095,7 +6211,7 @@
                 </a:effectLst>
                 <a:latin typeface="Aptos"/>
               </a:rPr>
-              <a:t>brito</a:t>
+              <a:t>kauã</a:t>
             </a:r>
             <a:r>
               <a:rPr lang="de-DE" sz="1600" dirty="0">
@@ -6159,90 +6275,7 @@
                 </a:effectLst>
                 <a:latin typeface="Aptos"/>
               </a:rPr>
-              <a:t>freitas</a:t>
-            </a:r>
-            <a:r>
-              <a:rPr lang="de-DE" sz="1600" dirty="0">
-                <a:gradFill flip="none">
-                  <a:gsLst>
-                    <a:gs pos="0">
-                      <a:srgbClr val="FFFFFF"/>
-                    </a:gs>
-                    <a:gs pos="100000">
-                      <a:srgbClr val="FFFFFF"/>
-                    </a:gs>
-                  </a:gsLst>
-                  <a:lin ang="5580000" scaled="0"/>
-                  <a:tileRect/>
-                </a:gradFill>
-                <a:effectLst>
-                  <a:glow rad="38100">
-                    <a:prstClr val="black">
-                      <a:lumMod val="65000"/>
-                      <a:lumOff val="35000"/>
-                      <a:alpha val="50000"/>
-                    </a:prstClr>
-                  </a:glow>
-                  <a:outerShdw blurRad="28575" dist="31750" dir="13200000" algn="tl" rotWithShape="0">
-                    <a:srgbClr val="000000">
-                      <a:alpha val="25000"/>
-                    </a:srgbClr>
-                  </a:outerShdw>
-                </a:effectLst>
-                <a:latin typeface="Aptos"/>
-              </a:rPr>
-              <a:t> – RA 823152183</a:t>
-            </a:r>
-            <a:br>
-              <a:rPr lang="de-DE" sz="1600" dirty="0">
-                <a:effectLst>
-                  <a:glow rad="38100">
-                    <a:prstClr val="black">
-                      <a:lumMod val="65000"/>
-                      <a:lumOff val="35000"/>
-                      <a:alpha val="50000"/>
-                    </a:prstClr>
-                  </a:glow>
-                  <a:outerShdw blurRad="28575" dist="31750" dir="13200000" algn="tl" rotWithShape="0">
-                    <a:srgbClr val="000000">
-                      <a:alpha val="25000"/>
-                    </a:srgbClr>
-                  </a:outerShdw>
-                </a:effectLst>
-                <a:latin typeface="Aptos"/>
-              </a:rPr>
-            </a:br>
-            <a:r>
-              <a:rPr lang="de-DE" sz="1600" err="1">
-                <a:gradFill flip="none">
-                  <a:gsLst>
-                    <a:gs pos="0">
-                      <a:srgbClr val="FFFFFF"/>
-                    </a:gs>
-                    <a:gs pos="100000">
-                      <a:srgbClr val="FFFFFF"/>
-                    </a:gs>
-                  </a:gsLst>
-                  <a:lin ang="5580000" scaled="0"/>
-                  <a:tileRect/>
-                </a:gradFill>
-                <a:effectLst>
-                  <a:glow rad="38100">
-                    <a:prstClr val="black">
-                      <a:lumMod val="65000"/>
-                      <a:lumOff val="35000"/>
-                      <a:alpha val="50000"/>
-                    </a:prstClr>
-                  </a:glow>
-                  <a:outerShdw blurRad="28575" dist="31750" dir="13200000" algn="tl" rotWithShape="0">
-                    <a:srgbClr val="000000">
-                      <a:alpha val="25000"/>
-                    </a:srgbClr>
-                  </a:outerShdw>
-                </a:effectLst>
-                <a:latin typeface="Aptos"/>
-              </a:rPr>
-              <a:t>kauã</a:t>
+              <a:t>tadeu</a:t>
             </a:r>
             <a:r>
               <a:rPr lang="de-DE" sz="1600" dirty="0">
@@ -6306,70 +6339,6 @@
                 </a:effectLst>
                 <a:latin typeface="Aptos"/>
               </a:rPr>
-              <a:t>tadeu</a:t>
-            </a:r>
-            <a:r>
-              <a:rPr lang="de-DE" sz="1600" dirty="0">
-                <a:gradFill flip="none">
-                  <a:gsLst>
-                    <a:gs pos="0">
-                      <a:srgbClr val="FFFFFF"/>
-                    </a:gs>
-                    <a:gs pos="100000">
-                      <a:srgbClr val="FFFFFF"/>
-                    </a:gs>
-                  </a:gsLst>
-                  <a:lin ang="5580000" scaled="0"/>
-                  <a:tileRect/>
-                </a:gradFill>
-                <a:effectLst>
-                  <a:glow rad="38100">
-                    <a:prstClr val="black">
-                      <a:lumMod val="65000"/>
-                      <a:lumOff val="35000"/>
-                      <a:alpha val="50000"/>
-                    </a:prstClr>
-                  </a:glow>
-                  <a:outerShdw blurRad="28575" dist="31750" dir="13200000" algn="tl" rotWithShape="0">
-                    <a:srgbClr val="000000">
-                      <a:alpha val="25000"/>
-                    </a:srgbClr>
-                  </a:outerShdw>
-                </a:effectLst>
-                <a:latin typeface="Aptos"/>
-              </a:rPr>
-              <a:t> </a:t>
-            </a:r>
-            <a:r>
-              <a:rPr lang="de-DE" sz="1600" err="1">
-                <a:gradFill flip="none">
-                  <a:gsLst>
-                    <a:gs pos="0">
-                      <a:srgbClr val="FFFFFF"/>
-                    </a:gs>
-                    <a:gs pos="100000">
-                      <a:srgbClr val="FFFFFF"/>
-                    </a:gs>
-                  </a:gsLst>
-                  <a:lin ang="5580000" scaled="0"/>
-                  <a:tileRect/>
-                </a:gradFill>
-                <a:effectLst>
-                  <a:glow rad="38100">
-                    <a:prstClr val="black">
-                      <a:lumMod val="65000"/>
-                      <a:lumOff val="35000"/>
-                      <a:alpha val="50000"/>
-                    </a:prstClr>
-                  </a:glow>
-                  <a:outerShdw blurRad="28575" dist="31750" dir="13200000" algn="tl" rotWithShape="0">
-                    <a:srgbClr val="000000">
-                      <a:alpha val="25000"/>
-                    </a:srgbClr>
-                  </a:outerShdw>
-                </a:effectLst>
-                <a:latin typeface="Aptos"/>
-              </a:rPr>
               <a:t>olivEIRA</a:t>
             </a:r>
             <a:r>
@@ -6615,92 +6584,6 @@
   <p:clrMapOvr>
     <a:masterClrMapping/>
   </p:clrMapOvr>
-  <p:timing>
-    <p:tnLst>
-      <p:par>
-        <p:cTn id="1" dur="indefinite" restart="never" nodeType="tmRoot">
-          <p:childTnLst>
-            <p:seq concurrent="1" nextAc="seek">
-              <p:cTn id="2" dur="indefinite" nodeType="mainSeq">
-                <p:childTnLst>
-                  <p:par>
-                    <p:cTn id="3" fill="hold">
-                      <p:stCondLst>
-                        <p:cond delay="indefinite"/>
-                      </p:stCondLst>
-                      <p:childTnLst>
-                        <p:par>
-                          <p:cTn id="4" fill="hold">
-                            <p:stCondLst>
-                              <p:cond delay="0"/>
-                            </p:stCondLst>
-                            <p:childTnLst>
-                              <p:par>
-                                <p:cTn id="5" presetID="10" presetClass="entr" presetSubtype="0" fill="hold" grpId="0" nodeType="clickEffect">
-                                  <p:stCondLst>
-                                    <p:cond delay="0"/>
-                                  </p:stCondLst>
-                                  <p:childTnLst>
-                                    <p:set>
-                                      <p:cBhvr>
-                                        <p:cTn id="6" dur="1" fill="hold">
-                                          <p:stCondLst>
-                                            <p:cond delay="0"/>
-                                          </p:stCondLst>
-                                        </p:cTn>
-                                        <p:tgtEl>
-                                          <p:spTgt spid="2"/>
-                                        </p:tgtEl>
-                                        <p:attrNameLst>
-                                          <p:attrName>style.visibility</p:attrName>
-                                        </p:attrNameLst>
-                                      </p:cBhvr>
-                                      <p:to>
-                                        <p:strVal val="visible"/>
-                                      </p:to>
-                                    </p:set>
-                                    <p:animEffect transition="in" filter="fade">
-                                      <p:cBhvr>
-                                        <p:cTn id="7" dur="500"/>
-                                        <p:tgtEl>
-                                          <p:spTgt spid="2"/>
-                                        </p:tgtEl>
-                                      </p:cBhvr>
-                                    </p:animEffect>
-                                  </p:childTnLst>
-                                </p:cTn>
-                              </p:par>
-                            </p:childTnLst>
-                          </p:cTn>
-                        </p:par>
-                      </p:childTnLst>
-                    </p:cTn>
-                  </p:par>
-                </p:childTnLst>
-              </p:cTn>
-              <p:prevCondLst>
-                <p:cond evt="onPrev" delay="0">
-                  <p:tgtEl>
-                    <p:sldTgt/>
-                  </p:tgtEl>
-                </p:cond>
-              </p:prevCondLst>
-              <p:nextCondLst>
-                <p:cond evt="onNext" delay="0">
-                  <p:tgtEl>
-                    <p:sldTgt/>
-                  </p:tgtEl>
-                </p:cond>
-              </p:nextCondLst>
-            </p:seq>
-          </p:childTnLst>
-        </p:cTn>
-      </p:par>
-    </p:tnLst>
-    <p:bldLst>
-      <p:bldP spid="2" grpId="0"/>
-    </p:bldLst>
-  </p:timing>
 </p:sld>
 </file>
 
@@ -6854,276 +6737,6 @@
   <p:clrMapOvr>
     <a:masterClrMapping/>
   </p:clrMapOvr>
-  <p:timing>
-    <p:tnLst>
-      <p:par>
-        <p:cTn id="1" dur="indefinite" restart="never" nodeType="tmRoot">
-          <p:childTnLst>
-            <p:seq concurrent="1" nextAc="seek">
-              <p:cTn id="2" dur="indefinite" nodeType="mainSeq">
-                <p:childTnLst>
-                  <p:par>
-                    <p:cTn id="3" fill="hold">
-                      <p:stCondLst>
-                        <p:cond delay="indefinite"/>
-                      </p:stCondLst>
-                      <p:childTnLst>
-                        <p:par>
-                          <p:cTn id="4" fill="hold">
-                            <p:stCondLst>
-                              <p:cond delay="0"/>
-                            </p:stCondLst>
-                            <p:childTnLst>
-                              <p:par>
-                                <p:cTn id="5" presetID="10" presetClass="entr" presetSubtype="0" fill="hold" grpId="0" nodeType="clickEffect">
-                                  <p:stCondLst>
-                                    <p:cond delay="0"/>
-                                  </p:stCondLst>
-                                  <p:childTnLst>
-                                    <p:set>
-                                      <p:cBhvr>
-                                        <p:cTn id="6" dur="1" fill="hold">
-                                          <p:stCondLst>
-                                            <p:cond delay="0"/>
-                                          </p:stCondLst>
-                                        </p:cTn>
-                                        <p:tgtEl>
-                                          <p:spTgt spid="2"/>
-                                        </p:tgtEl>
-                                        <p:attrNameLst>
-                                          <p:attrName>style.visibility</p:attrName>
-                                        </p:attrNameLst>
-                                      </p:cBhvr>
-                                      <p:to>
-                                        <p:strVal val="visible"/>
-                                      </p:to>
-                                    </p:set>
-                                    <p:animEffect transition="in" filter="fade">
-                                      <p:cBhvr>
-                                        <p:cTn id="7" dur="500"/>
-                                        <p:tgtEl>
-                                          <p:spTgt spid="2"/>
-                                        </p:tgtEl>
-                                      </p:cBhvr>
-                                    </p:animEffect>
-                                  </p:childTnLst>
-                                </p:cTn>
-                              </p:par>
-                            </p:childTnLst>
-                          </p:cTn>
-                        </p:par>
-                      </p:childTnLst>
-                    </p:cTn>
-                  </p:par>
-                  <p:par>
-                    <p:cTn id="8" fill="hold">
-                      <p:stCondLst>
-                        <p:cond delay="indefinite"/>
-                      </p:stCondLst>
-                      <p:childTnLst>
-                        <p:par>
-                          <p:cTn id="9" fill="hold">
-                            <p:stCondLst>
-                              <p:cond delay="0"/>
-                            </p:stCondLst>
-                            <p:childTnLst>
-                              <p:par>
-                                <p:cTn id="10" presetID="10" presetClass="entr" presetSubtype="0" fill="hold" grpId="0" nodeType="clickEffect">
-                                  <p:stCondLst>
-                                    <p:cond delay="0"/>
-                                  </p:stCondLst>
-                                  <p:childTnLst>
-                                    <p:set>
-                                      <p:cBhvr>
-                                        <p:cTn id="11" dur="1" fill="hold">
-                                          <p:stCondLst>
-                                            <p:cond delay="0"/>
-                                          </p:stCondLst>
-                                        </p:cTn>
-                                        <p:tgtEl>
-                                          <p:spTgt spid="3">
-                                            <p:txEl>
-                                              <p:pRg st="0" end="0"/>
-                                            </p:txEl>
-                                          </p:spTgt>
-                                        </p:tgtEl>
-                                        <p:attrNameLst>
-                                          <p:attrName>style.visibility</p:attrName>
-                                        </p:attrNameLst>
-                                      </p:cBhvr>
-                                      <p:to>
-                                        <p:strVal val="visible"/>
-                                      </p:to>
-                                    </p:set>
-                                    <p:animEffect transition="in" filter="fade">
-                                      <p:cBhvr>
-                                        <p:cTn id="12" dur="500"/>
-                                        <p:tgtEl>
-                                          <p:spTgt spid="3">
-                                            <p:txEl>
-                                              <p:pRg st="0" end="0"/>
-                                            </p:txEl>
-                                          </p:spTgt>
-                                        </p:tgtEl>
-                                      </p:cBhvr>
-                                    </p:animEffect>
-                                  </p:childTnLst>
-                                </p:cTn>
-                              </p:par>
-                            </p:childTnLst>
-                          </p:cTn>
-                        </p:par>
-                      </p:childTnLst>
-                    </p:cTn>
-                  </p:par>
-                  <p:par>
-                    <p:cTn id="13" fill="hold">
-                      <p:stCondLst>
-                        <p:cond delay="indefinite"/>
-                      </p:stCondLst>
-                      <p:childTnLst>
-                        <p:par>
-                          <p:cTn id="14" fill="hold">
-                            <p:stCondLst>
-                              <p:cond delay="0"/>
-                            </p:stCondLst>
-                            <p:childTnLst>
-                              <p:par>
-                                <p:cTn id="15" presetID="10" presetClass="entr" presetSubtype="0" fill="hold" grpId="0" nodeType="clickEffect">
-                                  <p:stCondLst>
-                                    <p:cond delay="0"/>
-                                  </p:stCondLst>
-                                  <p:childTnLst>
-                                    <p:set>
-                                      <p:cBhvr>
-                                        <p:cTn id="16" dur="1" fill="hold">
-                                          <p:stCondLst>
-                                            <p:cond delay="0"/>
-                                          </p:stCondLst>
-                                        </p:cTn>
-                                        <p:tgtEl>
-                                          <p:spTgt spid="3">
-                                            <p:txEl>
-                                              <p:pRg st="1" end="1"/>
-                                            </p:txEl>
-                                          </p:spTgt>
-                                        </p:tgtEl>
-                                        <p:attrNameLst>
-                                          <p:attrName>style.visibility</p:attrName>
-                                        </p:attrNameLst>
-                                      </p:cBhvr>
-                                      <p:to>
-                                        <p:strVal val="visible"/>
-                                      </p:to>
-                                    </p:set>
-                                    <p:animEffect transition="in" filter="fade">
-                                      <p:cBhvr>
-                                        <p:cTn id="17" dur="500"/>
-                                        <p:tgtEl>
-                                          <p:spTgt spid="3">
-                                            <p:txEl>
-                                              <p:pRg st="1" end="1"/>
-                                            </p:txEl>
-                                          </p:spTgt>
-                                        </p:tgtEl>
-                                      </p:cBhvr>
-                                    </p:animEffect>
-                                  </p:childTnLst>
-                                </p:cTn>
-                              </p:par>
-                            </p:childTnLst>
-                          </p:cTn>
-                        </p:par>
-                      </p:childTnLst>
-                    </p:cTn>
-                  </p:par>
-                  <p:par>
-                    <p:cTn id="18" fill="hold">
-                      <p:stCondLst>
-                        <p:cond delay="indefinite"/>
-                      </p:stCondLst>
-                      <p:childTnLst>
-                        <p:par>
-                          <p:cTn id="19" fill="hold">
-                            <p:stCondLst>
-                              <p:cond delay="0"/>
-                            </p:stCondLst>
-                            <p:childTnLst>
-                              <p:par>
-                                <p:cTn id="20" presetID="10" presetClass="entr" presetSubtype="0" fill="hold" grpId="0" nodeType="clickEffect">
-                                  <p:stCondLst>
-                                    <p:cond delay="0"/>
-                                  </p:stCondLst>
-                                  <p:childTnLst>
-                                    <p:set>
-                                      <p:cBhvr>
-                                        <p:cTn id="21" dur="1" fill="hold">
-                                          <p:stCondLst>
-                                            <p:cond delay="0"/>
-                                          </p:stCondLst>
-                                        </p:cTn>
-                                        <p:tgtEl>
-                                          <p:spTgt spid="3">
-                                            <p:txEl>
-                                              <p:pRg st="2" end="2"/>
-                                            </p:txEl>
-                                          </p:spTgt>
-                                        </p:tgtEl>
-                                        <p:attrNameLst>
-                                          <p:attrName>style.visibility</p:attrName>
-                                        </p:attrNameLst>
-                                      </p:cBhvr>
-                                      <p:to>
-                                        <p:strVal val="visible"/>
-                                      </p:to>
-                                    </p:set>
-                                    <p:animEffect transition="in" filter="fade">
-                                      <p:cBhvr>
-                                        <p:cTn id="22" dur="500"/>
-                                        <p:tgtEl>
-                                          <p:spTgt spid="3">
-                                            <p:txEl>
-                                              <p:pRg st="2" end="2"/>
-                                            </p:txEl>
-                                          </p:spTgt>
-                                        </p:tgtEl>
-                                      </p:cBhvr>
-                                    </p:animEffect>
-                                  </p:childTnLst>
-                                </p:cTn>
-                              </p:par>
-                            </p:childTnLst>
-                          </p:cTn>
-                        </p:par>
-                      </p:childTnLst>
-                    </p:cTn>
-                  </p:par>
-                </p:childTnLst>
-              </p:cTn>
-              <p:prevCondLst>
-                <p:cond evt="onPrev" delay="0">
-                  <p:tgtEl>
-                    <p:sldTgt/>
-                  </p:tgtEl>
-                </p:cond>
-              </p:prevCondLst>
-              <p:nextCondLst>
-                <p:cond evt="onNext" delay="0">
-                  <p:tgtEl>
-                    <p:sldTgt/>
-                  </p:tgtEl>
-                </p:cond>
-              </p:nextCondLst>
-            </p:seq>
-          </p:childTnLst>
-        </p:cTn>
-      </p:par>
-    </p:tnLst>
-    <p:bldLst>
-      <p:bldP spid="2" grpId="0"/>
-      <p:bldP spid="3" grpId="0" build="p"/>
-    </p:bldLst>
-  </p:timing>
 </p:sld>
 </file>
 
@@ -7200,7 +6813,7 @@
         <p:spPr/>
         <p:txBody>
           <a:bodyPr vert="horz" lIns="91440" tIns="45720" rIns="91440" bIns="45720" rtlCol="0" anchor="t">
-            <a:normAutofit fontScale="92500"/>
+            <a:normAutofit fontScale="92500" lnSpcReduction="10000"/>
           </a:bodyPr>
           <a:lstStyle/>
           <a:p>
@@ -7265,7 +6878,8 @@
           <a:lstStyle/>
           <a:p>
             <a:fld id="{2A1DB12B-EF0B-4756-838D-ED52F3C8EDA3}" type="datetime1">
-              <a:t>16/06/2024</a:t>
+              <a:rPr/>
+              <a:t>18/06/2024</a:t>
             </a:fld>
             <a:endParaRPr lang="en-US" dirty="0"/>
           </a:p>
@@ -7339,330 +6953,6 @@
   <p:clrMapOvr>
     <a:masterClrMapping/>
   </p:clrMapOvr>
-  <p:timing>
-    <p:tnLst>
-      <p:par>
-        <p:cTn id="1" dur="indefinite" restart="never" nodeType="tmRoot">
-          <p:childTnLst>
-            <p:seq concurrent="1" nextAc="seek">
-              <p:cTn id="2" dur="indefinite" nodeType="mainSeq">
-                <p:childTnLst>
-                  <p:par>
-                    <p:cTn id="3" fill="hold">
-                      <p:stCondLst>
-                        <p:cond delay="indefinite"/>
-                      </p:stCondLst>
-                      <p:childTnLst>
-                        <p:par>
-                          <p:cTn id="4" fill="hold">
-                            <p:stCondLst>
-                              <p:cond delay="0"/>
-                            </p:stCondLst>
-                            <p:childTnLst>
-                              <p:par>
-                                <p:cTn id="5" presetID="10" presetClass="entr" presetSubtype="0" fill="hold" grpId="0" nodeType="clickEffect">
-                                  <p:stCondLst>
-                                    <p:cond delay="0"/>
-                                  </p:stCondLst>
-                                  <p:childTnLst>
-                                    <p:set>
-                                      <p:cBhvr>
-                                        <p:cTn id="6" dur="1" fill="hold">
-                                          <p:stCondLst>
-                                            <p:cond delay="0"/>
-                                          </p:stCondLst>
-                                        </p:cTn>
-                                        <p:tgtEl>
-                                          <p:spTgt spid="2"/>
-                                        </p:tgtEl>
-                                        <p:attrNameLst>
-                                          <p:attrName>style.visibility</p:attrName>
-                                        </p:attrNameLst>
-                                      </p:cBhvr>
-                                      <p:to>
-                                        <p:strVal val="visible"/>
-                                      </p:to>
-                                    </p:set>
-                                    <p:animEffect transition="in" filter="fade">
-                                      <p:cBhvr>
-                                        <p:cTn id="7" dur="500"/>
-                                        <p:tgtEl>
-                                          <p:spTgt spid="2"/>
-                                        </p:tgtEl>
-                                      </p:cBhvr>
-                                    </p:animEffect>
-                                  </p:childTnLst>
-                                </p:cTn>
-                              </p:par>
-                              <p:par>
-                                <p:cTn id="8" presetID="10" presetClass="entr" presetSubtype="0" fill="hold" grpId="0" nodeType="withEffect">
-                                  <p:stCondLst>
-                                    <p:cond delay="0"/>
-                                  </p:stCondLst>
-                                  <p:childTnLst>
-                                    <p:set>
-                                      <p:cBhvr>
-                                        <p:cTn id="9" dur="1" fill="hold">
-                                          <p:stCondLst>
-                                            <p:cond delay="0"/>
-                                          </p:stCondLst>
-                                        </p:cTn>
-                                        <p:tgtEl>
-                                          <p:spTgt spid="3">
-                                            <p:txEl>
-                                              <p:pRg st="0" end="0"/>
-                                            </p:txEl>
-                                          </p:spTgt>
-                                        </p:tgtEl>
-                                        <p:attrNameLst>
-                                          <p:attrName>style.visibility</p:attrName>
-                                        </p:attrNameLst>
-                                      </p:cBhvr>
-                                      <p:to>
-                                        <p:strVal val="visible"/>
-                                      </p:to>
-                                    </p:set>
-                                    <p:animEffect transition="in" filter="fade">
-                                      <p:cBhvr>
-                                        <p:cTn id="10" dur="500"/>
-                                        <p:tgtEl>
-                                          <p:spTgt spid="3">
-                                            <p:txEl>
-                                              <p:pRg st="0" end="0"/>
-                                            </p:txEl>
-                                          </p:spTgt>
-                                        </p:tgtEl>
-                                      </p:cBhvr>
-                                    </p:animEffect>
-                                  </p:childTnLst>
-                                </p:cTn>
-                              </p:par>
-                            </p:childTnLst>
-                          </p:cTn>
-                        </p:par>
-                      </p:childTnLst>
-                    </p:cTn>
-                  </p:par>
-                  <p:par>
-                    <p:cTn id="11" fill="hold">
-                      <p:stCondLst>
-                        <p:cond delay="indefinite"/>
-                      </p:stCondLst>
-                      <p:childTnLst>
-                        <p:par>
-                          <p:cTn id="12" fill="hold">
-                            <p:stCondLst>
-                              <p:cond delay="0"/>
-                            </p:stCondLst>
-                            <p:childTnLst>
-                              <p:par>
-                                <p:cTn id="13" presetID="10" presetClass="entr" presetSubtype="0" fill="hold" grpId="0" nodeType="clickEffect">
-                                  <p:stCondLst>
-                                    <p:cond delay="0"/>
-                                  </p:stCondLst>
-                                  <p:childTnLst>
-                                    <p:set>
-                                      <p:cBhvr>
-                                        <p:cTn id="14" dur="1" fill="hold">
-                                          <p:stCondLst>
-                                            <p:cond delay="0"/>
-                                          </p:stCondLst>
-                                        </p:cTn>
-                                        <p:tgtEl>
-                                          <p:spTgt spid="3">
-                                            <p:txEl>
-                                              <p:pRg st="1" end="1"/>
-                                            </p:txEl>
-                                          </p:spTgt>
-                                        </p:tgtEl>
-                                        <p:attrNameLst>
-                                          <p:attrName>style.visibility</p:attrName>
-                                        </p:attrNameLst>
-                                      </p:cBhvr>
-                                      <p:to>
-                                        <p:strVal val="visible"/>
-                                      </p:to>
-                                    </p:set>
-                                    <p:animEffect transition="in" filter="fade">
-                                      <p:cBhvr>
-                                        <p:cTn id="15" dur="500"/>
-                                        <p:tgtEl>
-                                          <p:spTgt spid="3">
-                                            <p:txEl>
-                                              <p:pRg st="1" end="1"/>
-                                            </p:txEl>
-                                          </p:spTgt>
-                                        </p:tgtEl>
-                                      </p:cBhvr>
-                                    </p:animEffect>
-                                  </p:childTnLst>
-                                </p:cTn>
-                              </p:par>
-                            </p:childTnLst>
-                          </p:cTn>
-                        </p:par>
-                      </p:childTnLst>
-                    </p:cTn>
-                  </p:par>
-                  <p:par>
-                    <p:cTn id="16" fill="hold">
-                      <p:stCondLst>
-                        <p:cond delay="indefinite"/>
-                      </p:stCondLst>
-                      <p:childTnLst>
-                        <p:par>
-                          <p:cTn id="17" fill="hold">
-                            <p:stCondLst>
-                              <p:cond delay="0"/>
-                            </p:stCondLst>
-                            <p:childTnLst>
-                              <p:par>
-                                <p:cTn id="18" presetID="10" presetClass="entr" presetSubtype="0" fill="hold" grpId="0" nodeType="clickEffect">
-                                  <p:stCondLst>
-                                    <p:cond delay="0"/>
-                                  </p:stCondLst>
-                                  <p:childTnLst>
-                                    <p:set>
-                                      <p:cBhvr>
-                                        <p:cTn id="19" dur="1" fill="hold">
-                                          <p:stCondLst>
-                                            <p:cond delay="0"/>
-                                          </p:stCondLst>
-                                        </p:cTn>
-                                        <p:tgtEl>
-                                          <p:spTgt spid="3">
-                                            <p:txEl>
-                                              <p:pRg st="2" end="2"/>
-                                            </p:txEl>
-                                          </p:spTgt>
-                                        </p:tgtEl>
-                                        <p:attrNameLst>
-                                          <p:attrName>style.visibility</p:attrName>
-                                        </p:attrNameLst>
-                                      </p:cBhvr>
-                                      <p:to>
-                                        <p:strVal val="visible"/>
-                                      </p:to>
-                                    </p:set>
-                                    <p:animEffect transition="in" filter="fade">
-                                      <p:cBhvr>
-                                        <p:cTn id="20" dur="500"/>
-                                        <p:tgtEl>
-                                          <p:spTgt spid="3">
-                                            <p:txEl>
-                                              <p:pRg st="2" end="2"/>
-                                            </p:txEl>
-                                          </p:spTgt>
-                                        </p:tgtEl>
-                                      </p:cBhvr>
-                                    </p:animEffect>
-                                  </p:childTnLst>
-                                </p:cTn>
-                              </p:par>
-                              <p:par>
-                                <p:cTn id="21" presetID="10" presetClass="entr" presetSubtype="0" fill="hold" grpId="0" nodeType="withEffect">
-                                  <p:stCondLst>
-                                    <p:cond delay="0"/>
-                                  </p:stCondLst>
-                                  <p:childTnLst>
-                                    <p:set>
-                                      <p:cBhvr>
-                                        <p:cTn id="22" dur="1" fill="hold">
-                                          <p:stCondLst>
-                                            <p:cond delay="0"/>
-                                          </p:stCondLst>
-                                        </p:cTn>
-                                        <p:tgtEl>
-                                          <p:spTgt spid="5"/>
-                                        </p:tgtEl>
-                                        <p:attrNameLst>
-                                          <p:attrName>style.visibility</p:attrName>
-                                        </p:attrNameLst>
-                                      </p:cBhvr>
-                                      <p:to>
-                                        <p:strVal val="visible"/>
-                                      </p:to>
-                                    </p:set>
-                                    <p:animEffect transition="in" filter="fade">
-                                      <p:cBhvr>
-                                        <p:cTn id="23" dur="500"/>
-                                        <p:tgtEl>
-                                          <p:spTgt spid="5"/>
-                                        </p:tgtEl>
-                                      </p:cBhvr>
-                                    </p:animEffect>
-                                  </p:childTnLst>
-                                </p:cTn>
-                              </p:par>
-                              <p:par>
-                                <p:cTn id="24" presetID="10" presetClass="entr" presetSubtype="0" fill="hold" grpId="0" nodeType="withEffect">
-                                  <p:stCondLst>
-                                    <p:cond delay="0"/>
-                                  </p:stCondLst>
-                                  <p:childTnLst>
-                                    <p:set>
-                                      <p:cBhvr>
-                                        <p:cTn id="25" dur="1" fill="hold">
-                                          <p:stCondLst>
-                                            <p:cond delay="0"/>
-                                          </p:stCondLst>
-                                        </p:cTn>
-                                        <p:tgtEl>
-                                          <p:spTgt spid="6"/>
-                                        </p:tgtEl>
-                                        <p:attrNameLst>
-                                          <p:attrName>style.visibility</p:attrName>
-                                        </p:attrNameLst>
-                                      </p:cBhvr>
-                                      <p:to>
-                                        <p:strVal val="visible"/>
-                                      </p:to>
-                                    </p:set>
-                                    <p:animEffect transition="in" filter="fade">
-                                      <p:cBhvr>
-                                        <p:cTn id="26" dur="500"/>
-                                        <p:tgtEl>
-                                          <p:spTgt spid="6"/>
-                                        </p:tgtEl>
-                                      </p:cBhvr>
-                                    </p:animEffect>
-                                  </p:childTnLst>
-                                </p:cTn>
-                              </p:par>
-                            </p:childTnLst>
-                          </p:cTn>
-                        </p:par>
-                      </p:childTnLst>
-                    </p:cTn>
-                  </p:par>
-                </p:childTnLst>
-              </p:cTn>
-              <p:prevCondLst>
-                <p:cond evt="onPrev" delay="0">
-                  <p:tgtEl>
-                    <p:sldTgt/>
-                  </p:tgtEl>
-                </p:cond>
-              </p:prevCondLst>
-              <p:nextCondLst>
-                <p:cond evt="onNext" delay="0">
-                  <p:tgtEl>
-                    <p:sldTgt/>
-                  </p:tgtEl>
-                </p:cond>
-              </p:nextCondLst>
-            </p:seq>
-          </p:childTnLst>
-        </p:cTn>
-      </p:par>
-    </p:tnLst>
-    <p:bldLst>
-      <p:bldP spid="2" grpId="0"/>
-      <p:bldP spid="3" grpId="0" build="p"/>
-      <p:bldP spid="5" grpId="0"/>
-      <p:bldP spid="6" grpId="0"/>
-    </p:bldLst>
-  </p:timing>
 </p:sld>
 </file>
 
@@ -7806,7 +7096,8 @@
           <a:lstStyle/>
           <a:p>
             <a:fld id="{546C98F6-106B-4476-844E-8653A37E6EE9}" type="datetime1">
-              <a:t>16/06/2024</a:t>
+              <a:rPr/>
+              <a:t>18/06/2024</a:t>
             </a:fld>
             <a:endParaRPr lang="en-US" dirty="0"/>
           </a:p>
@@ -7880,341 +7171,137 @@
   <p:clrMapOvr>
     <a:masterClrMapping/>
   </p:clrMapOvr>
-  <p:timing>
-    <p:tnLst>
-      <p:par>
-        <p:cTn id="1" dur="indefinite" restart="never" nodeType="tmRoot">
-          <p:childTnLst>
-            <p:seq concurrent="1" nextAc="seek">
-              <p:cTn id="2" dur="indefinite" nodeType="mainSeq">
-                <p:childTnLst>
-                  <p:par>
-                    <p:cTn id="3" fill="hold">
-                      <p:stCondLst>
-                        <p:cond delay="indefinite"/>
-                      </p:stCondLst>
-                      <p:childTnLst>
-                        <p:par>
-                          <p:cTn id="4" fill="hold">
-                            <p:stCondLst>
-                              <p:cond delay="0"/>
-                            </p:stCondLst>
-                            <p:childTnLst>
-                              <p:par>
-                                <p:cTn id="5" presetID="10" presetClass="entr" presetSubtype="0" fill="hold" grpId="0" nodeType="clickEffect">
-                                  <p:stCondLst>
-                                    <p:cond delay="0"/>
-                                  </p:stCondLst>
-                                  <p:childTnLst>
-                                    <p:set>
-                                      <p:cBhvr>
-                                        <p:cTn id="6" dur="1" fill="hold">
-                                          <p:stCondLst>
-                                            <p:cond delay="0"/>
-                                          </p:stCondLst>
-                                        </p:cTn>
-                                        <p:tgtEl>
-                                          <p:spTgt spid="2"/>
-                                        </p:tgtEl>
-                                        <p:attrNameLst>
-                                          <p:attrName>style.visibility</p:attrName>
-                                        </p:attrNameLst>
-                                      </p:cBhvr>
-                                      <p:to>
-                                        <p:strVal val="visible"/>
-                                      </p:to>
-                                    </p:set>
-                                    <p:animEffect transition="in" filter="fade">
-                                      <p:cBhvr>
-                                        <p:cTn id="7" dur="500"/>
-                                        <p:tgtEl>
-                                          <p:spTgt spid="2"/>
-                                        </p:tgtEl>
-                                      </p:cBhvr>
-                                    </p:animEffect>
-                                  </p:childTnLst>
-                                </p:cTn>
-                              </p:par>
-                            </p:childTnLst>
-                          </p:cTn>
-                        </p:par>
-                      </p:childTnLst>
-                    </p:cTn>
-                  </p:par>
-                  <p:par>
-                    <p:cTn id="8" fill="hold">
-                      <p:stCondLst>
-                        <p:cond delay="indefinite"/>
-                      </p:stCondLst>
-                      <p:childTnLst>
-                        <p:par>
-                          <p:cTn id="9" fill="hold">
-                            <p:stCondLst>
-                              <p:cond delay="0"/>
-                            </p:stCondLst>
-                            <p:childTnLst>
-                              <p:par>
-                                <p:cTn id="10" presetID="10" presetClass="entr" presetSubtype="0" fill="hold" grpId="0" nodeType="clickEffect">
-                                  <p:stCondLst>
-                                    <p:cond delay="0"/>
-                                  </p:stCondLst>
-                                  <p:childTnLst>
-                                    <p:set>
-                                      <p:cBhvr>
-                                        <p:cTn id="11" dur="1" fill="hold">
-                                          <p:stCondLst>
-                                            <p:cond delay="0"/>
-                                          </p:stCondLst>
-                                        </p:cTn>
-                                        <p:tgtEl>
-                                          <p:spTgt spid="3">
-                                            <p:txEl>
-                                              <p:pRg st="0" end="0"/>
-                                            </p:txEl>
-                                          </p:spTgt>
-                                        </p:tgtEl>
-                                        <p:attrNameLst>
-                                          <p:attrName>style.visibility</p:attrName>
-                                        </p:attrNameLst>
-                                      </p:cBhvr>
-                                      <p:to>
-                                        <p:strVal val="visible"/>
-                                      </p:to>
-                                    </p:set>
-                                    <p:animEffect transition="in" filter="fade">
-                                      <p:cBhvr>
-                                        <p:cTn id="12" dur="500"/>
-                                        <p:tgtEl>
-                                          <p:spTgt spid="3">
-                                            <p:txEl>
-                                              <p:pRg st="0" end="0"/>
-                                            </p:txEl>
-                                          </p:spTgt>
-                                        </p:tgtEl>
-                                      </p:cBhvr>
-                                    </p:animEffect>
-                                  </p:childTnLst>
-                                </p:cTn>
-                              </p:par>
-                            </p:childTnLst>
-                          </p:cTn>
-                        </p:par>
-                      </p:childTnLst>
-                    </p:cTn>
-                  </p:par>
-                  <p:par>
-                    <p:cTn id="13" fill="hold">
-                      <p:stCondLst>
-                        <p:cond delay="indefinite"/>
-                      </p:stCondLst>
-                      <p:childTnLst>
-                        <p:par>
-                          <p:cTn id="14" fill="hold">
-                            <p:stCondLst>
-                              <p:cond delay="0"/>
-                            </p:stCondLst>
-                            <p:childTnLst>
-                              <p:par>
-                                <p:cTn id="15" presetID="10" presetClass="entr" presetSubtype="0" fill="hold" grpId="0" nodeType="clickEffect">
-                                  <p:stCondLst>
-                                    <p:cond delay="0"/>
-                                  </p:stCondLst>
-                                  <p:childTnLst>
-                                    <p:set>
-                                      <p:cBhvr>
-                                        <p:cTn id="16" dur="1" fill="hold">
-                                          <p:stCondLst>
-                                            <p:cond delay="0"/>
-                                          </p:stCondLst>
-                                        </p:cTn>
-                                        <p:tgtEl>
-                                          <p:spTgt spid="3">
-                                            <p:txEl>
-                                              <p:pRg st="1" end="1"/>
-                                            </p:txEl>
-                                          </p:spTgt>
-                                        </p:tgtEl>
-                                        <p:attrNameLst>
-                                          <p:attrName>style.visibility</p:attrName>
-                                        </p:attrNameLst>
-                                      </p:cBhvr>
-                                      <p:to>
-                                        <p:strVal val="visible"/>
-                                      </p:to>
-                                    </p:set>
-                                    <p:animEffect transition="in" filter="fade">
-                                      <p:cBhvr>
-                                        <p:cTn id="17" dur="500"/>
-                                        <p:tgtEl>
-                                          <p:spTgt spid="3">
-                                            <p:txEl>
-                                              <p:pRg st="1" end="1"/>
-                                            </p:txEl>
-                                          </p:spTgt>
-                                        </p:tgtEl>
-                                      </p:cBhvr>
-                                    </p:animEffect>
-                                  </p:childTnLst>
-                                </p:cTn>
-                              </p:par>
-                            </p:childTnLst>
-                          </p:cTn>
-                        </p:par>
-                      </p:childTnLst>
-                    </p:cTn>
-                  </p:par>
-                  <p:par>
-                    <p:cTn id="18" fill="hold">
-                      <p:stCondLst>
-                        <p:cond delay="indefinite"/>
-                      </p:stCondLst>
-                      <p:childTnLst>
-                        <p:par>
-                          <p:cTn id="19" fill="hold">
-                            <p:stCondLst>
-                              <p:cond delay="0"/>
-                            </p:stCondLst>
-                            <p:childTnLst>
-                              <p:par>
-                                <p:cTn id="20" presetID="10" presetClass="entr" presetSubtype="0" fill="hold" grpId="0" nodeType="clickEffect">
-                                  <p:stCondLst>
-                                    <p:cond delay="0"/>
-                                  </p:stCondLst>
-                                  <p:childTnLst>
-                                    <p:set>
-                                      <p:cBhvr>
-                                        <p:cTn id="21" dur="1" fill="hold">
-                                          <p:stCondLst>
-                                            <p:cond delay="0"/>
-                                          </p:stCondLst>
-                                        </p:cTn>
-                                        <p:tgtEl>
-                                          <p:spTgt spid="3">
-                                            <p:txEl>
-                                              <p:pRg st="2" end="2"/>
-                                            </p:txEl>
-                                          </p:spTgt>
-                                        </p:tgtEl>
-                                        <p:attrNameLst>
-                                          <p:attrName>style.visibility</p:attrName>
-                                        </p:attrNameLst>
-                                      </p:cBhvr>
-                                      <p:to>
-                                        <p:strVal val="visible"/>
-                                      </p:to>
-                                    </p:set>
-                                    <p:animEffect transition="in" filter="fade">
-                                      <p:cBhvr>
-                                        <p:cTn id="22" dur="500"/>
-                                        <p:tgtEl>
-                                          <p:spTgt spid="3">
-                                            <p:txEl>
-                                              <p:pRg st="2" end="2"/>
-                                            </p:txEl>
-                                          </p:spTgt>
-                                        </p:tgtEl>
-                                      </p:cBhvr>
-                                    </p:animEffect>
-                                  </p:childTnLst>
-                                </p:cTn>
-                              </p:par>
-                            </p:childTnLst>
-                          </p:cTn>
-                        </p:par>
-                      </p:childTnLst>
-                    </p:cTn>
-                  </p:par>
-                  <p:par>
-                    <p:cTn id="23" fill="hold">
-                      <p:stCondLst>
-                        <p:cond delay="indefinite"/>
-                      </p:stCondLst>
-                      <p:childTnLst>
-                        <p:par>
-                          <p:cTn id="24" fill="hold">
-                            <p:stCondLst>
-                              <p:cond delay="0"/>
-                            </p:stCondLst>
-                            <p:childTnLst>
-                              <p:par>
-                                <p:cTn id="25" presetID="10" presetClass="entr" presetSubtype="0" fill="hold" grpId="0" nodeType="clickEffect">
-                                  <p:stCondLst>
-                                    <p:cond delay="0"/>
-                                  </p:stCondLst>
-                                  <p:childTnLst>
-                                    <p:set>
-                                      <p:cBhvr>
-                                        <p:cTn id="26" dur="1" fill="hold">
-                                          <p:stCondLst>
-                                            <p:cond delay="0"/>
-                                          </p:stCondLst>
-                                        </p:cTn>
-                                        <p:tgtEl>
-                                          <p:spTgt spid="3">
-                                            <p:txEl>
-                                              <p:pRg st="3" end="3"/>
-                                            </p:txEl>
-                                          </p:spTgt>
-                                        </p:tgtEl>
-                                        <p:attrNameLst>
-                                          <p:attrName>style.visibility</p:attrName>
-                                        </p:attrNameLst>
-                                      </p:cBhvr>
-                                      <p:to>
-                                        <p:strVal val="visible"/>
-                                      </p:to>
-                                    </p:set>
-                                    <p:animEffect transition="in" filter="fade">
-                                      <p:cBhvr>
-                                        <p:cTn id="27" dur="500"/>
-                                        <p:tgtEl>
-                                          <p:spTgt spid="3">
-                                            <p:txEl>
-                                              <p:pRg st="3" end="3"/>
-                                            </p:txEl>
-                                          </p:spTgt>
-                                        </p:tgtEl>
-                                      </p:cBhvr>
-                                    </p:animEffect>
-                                  </p:childTnLst>
-                                </p:cTn>
-                              </p:par>
-                            </p:childTnLst>
-                          </p:cTn>
-                        </p:par>
-                      </p:childTnLst>
-                    </p:cTn>
-                  </p:par>
-                </p:childTnLst>
-              </p:cTn>
-              <p:prevCondLst>
-                <p:cond evt="onPrev" delay="0">
-                  <p:tgtEl>
-                    <p:sldTgt/>
-                  </p:tgtEl>
-                </p:cond>
-              </p:prevCondLst>
-              <p:nextCondLst>
-                <p:cond evt="onNext" delay="0">
-                  <p:tgtEl>
-                    <p:sldTgt/>
-                  </p:tgtEl>
-                </p:cond>
-              </p:nextCondLst>
-            </p:seq>
-          </p:childTnLst>
-        </p:cTn>
-      </p:par>
-    </p:tnLst>
-    <p:bldLst>
-      <p:bldP spid="2" grpId="0"/>
-      <p:bldP spid="3" grpId="0" build="p"/>
-    </p:bldLst>
-  </p:timing>
 </p:sld>
 </file>
 
 <file path=ppt/slides/slide5.xml><?xml version="1.0" encoding="utf-8"?>
+<p:sld xmlns:a="http://schemas.openxmlformats.org/drawingml/2006/main" xmlns:r="http://schemas.openxmlformats.org/officeDocument/2006/relationships" xmlns:p="http://schemas.openxmlformats.org/presentationml/2006/main">
+  <p:cSld>
+    <p:spTree>
+      <p:nvGrpSpPr>
+        <p:cNvPr id="1" name=""/>
+        <p:cNvGrpSpPr/>
+        <p:nvPr/>
+      </p:nvGrpSpPr>
+      <p:grpSpPr>
+        <a:xfrm>
+          <a:off x="0" y="0"/>
+          <a:ext cx="0" cy="0"/>
+          <a:chOff x="0" y="0"/>
+          <a:chExt cx="0" cy="0"/>
+        </a:xfrm>
+      </p:grpSpPr>
+      <p:sp>
+        <p:nvSpPr>
+          <p:cNvPr id="2" name="Título 1">
+            <a:extLst>
+              <a:ext uri="{FF2B5EF4-FFF2-40B4-BE49-F238E27FC236}">
+                <a16:creationId xmlns:a16="http://schemas.microsoft.com/office/drawing/2014/main" id="{4D282F34-3F2A-EC73-BD54-9A0C5925677A}"/>
+              </a:ext>
+            </a:extLst>
+          </p:cNvPr>
+          <p:cNvSpPr>
+            <a:spLocks noGrp="1"/>
+          </p:cNvSpPr>
+          <p:nvPr>
+            <p:ph type="title"/>
+          </p:nvPr>
+        </p:nvSpPr>
+        <p:spPr/>
+        <p:txBody>
+          <a:bodyPr/>
+          <a:lstStyle/>
+          <a:p>
+            <a:pPr algn="ctr"/>
+            <a:r>
+              <a:rPr lang="pt-BR" dirty="0"/>
+              <a:t>Método de estruturação </a:t>
+            </a:r>
+            <a:r>
+              <a:rPr lang="pt-BR" dirty="0" err="1"/>
+              <a:t>ultilizado</a:t>
+            </a:r>
+            <a:endParaRPr lang="pt-BR" dirty="0"/>
+          </a:p>
+        </p:txBody>
+      </p:sp>
+      <p:sp>
+        <p:nvSpPr>
+          <p:cNvPr id="4" name="Espaço Reservado para Conteúdo 3">
+            <a:extLst>
+              <a:ext uri="{FF2B5EF4-FFF2-40B4-BE49-F238E27FC236}">
+                <a16:creationId xmlns:a16="http://schemas.microsoft.com/office/drawing/2014/main" id="{EA587E43-4D0D-7241-6783-F4BD87FAA584}"/>
+              </a:ext>
+            </a:extLst>
+          </p:cNvPr>
+          <p:cNvSpPr>
+            <a:spLocks noGrp="1"/>
+          </p:cNvSpPr>
+          <p:nvPr>
+            <p:ph sz="half" idx="2"/>
+          </p:nvPr>
+        </p:nvSpPr>
+        <p:spPr>
+          <a:xfrm>
+            <a:off x="1557049" y="1481259"/>
+            <a:ext cx="8833860" cy="3124200"/>
+          </a:xfrm>
+        </p:spPr>
+        <p:txBody>
+          <a:bodyPr/>
+          <a:lstStyle/>
+          <a:p>
+            <a:r>
+              <a:rPr lang="pt-BR" dirty="0"/>
+              <a:t>O comparador serve para comparar as datas mais antigas com as mais recentes, fazendo com que a lista tenha a prioridade das tarefas com o menor prazo.</a:t>
+            </a:r>
+          </a:p>
+        </p:txBody>
+      </p:sp>
+      <p:pic>
+        <p:nvPicPr>
+          <p:cNvPr id="8" name="Imagem 7">
+            <a:extLst>
+              <a:ext uri="{FF2B5EF4-FFF2-40B4-BE49-F238E27FC236}">
+                <a16:creationId xmlns:a16="http://schemas.microsoft.com/office/drawing/2014/main" id="{6B6DB0EC-C716-6DFB-99FA-3B447AFAF51E}"/>
+              </a:ext>
+            </a:extLst>
+          </p:cNvPr>
+          <p:cNvPicPr>
+            <a:picLocks noChangeAspect="1"/>
+          </p:cNvPicPr>
+          <p:nvPr/>
+        </p:nvPicPr>
+        <p:blipFill>
+          <a:blip r:embed="rId2"/>
+          <a:stretch>
+            <a:fillRect/>
+          </a:stretch>
+        </p:blipFill>
+        <p:spPr>
+          <a:xfrm>
+            <a:off x="3106554" y="3872346"/>
+            <a:ext cx="5734850" cy="1743318"/>
+          </a:xfrm>
+          <a:prstGeom prst="rect">
+            <a:avLst/>
+          </a:prstGeom>
+        </p:spPr>
+      </p:pic>
+    </p:spTree>
+    <p:extLst>
+      <p:ext uri="{BB962C8B-B14F-4D97-AF65-F5344CB8AC3E}">
+        <p14:creationId xmlns:p14="http://schemas.microsoft.com/office/powerpoint/2010/main" val="493479559"/>
+      </p:ext>
+    </p:extLst>
+  </p:cSld>
+  <p:clrMapOvr>
+    <a:masterClrMapping/>
+  </p:clrMapOvr>
+</p:sld>
+</file>
+
+<file path=ppt/slides/slide6.xml><?xml version="1.0" encoding="utf-8"?>
 <p:sld xmlns:a="http://schemas.openxmlformats.org/drawingml/2006/main" xmlns:r="http://schemas.openxmlformats.org/officeDocument/2006/relationships" xmlns:p="http://schemas.openxmlformats.org/presentationml/2006/main">
   <p:cSld>
     <p:spTree>
@@ -8346,13 +7433,13 @@
   <p:clrMapOvr>
     <a:masterClrMapping/>
   </p:clrMapOvr>
-  <mc:AlternateContent xmlns:mc="http://schemas.openxmlformats.org/markup-compatibility/2006">
-    <mc:Choice xmlns:p14="http://schemas.microsoft.com/office/powerpoint/2010/main" Requires="p14">
+  <mc:AlternateContent xmlns:mc="http://schemas.openxmlformats.org/markup-compatibility/2006" xmlns:p14="http://schemas.microsoft.com/office/powerpoint/2010/main">
+    <mc:Choice Requires="p14">
       <p:transition spd="med" p14:dur="700">
         <p:fade/>
       </p:transition>
     </mc:Choice>
-    <mc:Fallback>
+    <mc:Fallback xmlns="">
       <p:transition spd="med">
         <p:fade/>
       </p:transition>
@@ -8361,7 +7448,7 @@
 </p:sld>
 </file>
 
-<file path=ppt/slides/slide6.xml><?xml version="1.0" encoding="utf-8"?>
+<file path=ppt/slides/slide7.xml><?xml version="1.0" encoding="utf-8"?>
 <p:sld xmlns:a="http://schemas.openxmlformats.org/drawingml/2006/main" xmlns:r="http://schemas.openxmlformats.org/officeDocument/2006/relationships" xmlns:p="http://schemas.openxmlformats.org/presentationml/2006/main">
   <p:cSld>
     <p:spTree>
@@ -8461,7 +7548,7 @@
 </p:sld>
 </file>
 
-<file path=ppt/slides/slide7.xml><?xml version="1.0" encoding="utf-8"?>
+<file path=ppt/slides/slide8.xml><?xml version="1.0" encoding="utf-8"?>
 <p:sld xmlns:a="http://schemas.openxmlformats.org/drawingml/2006/main" xmlns:r="http://schemas.openxmlformats.org/officeDocument/2006/relationships" xmlns:p="http://schemas.openxmlformats.org/presentationml/2006/main">
   <p:cSld>
     <p:spTree>
@@ -8563,7 +7650,7 @@
 </p:sld>
 </file>
 
-<file path=ppt/slides/slide8.xml><?xml version="1.0" encoding="utf-8"?>
+<file path=ppt/slides/slide9.xml><?xml version="1.0" encoding="utf-8"?>
 <p:sld xmlns:a="http://schemas.openxmlformats.org/drawingml/2006/main" xmlns:r="http://schemas.openxmlformats.org/officeDocument/2006/relationships" xmlns:p="http://schemas.openxmlformats.org/presentationml/2006/main">
   <p:cSld>
     <p:spTree>
@@ -8683,7 +7770,8 @@
           <a:lstStyle/>
           <a:p>
             <a:fld id="{72457364-6FD0-4CB8-8D63-FABDC9D585EF}" type="datetime1">
-              <a:t>16/06/2024</a:t>
+              <a:rPr/>
+              <a:t>18/06/2024</a:t>
             </a:fld>
             <a:endParaRPr lang="en-US" dirty="0"/>
           </a:p>
@@ -8741,7 +7829,7 @@
           <a:p>
             <a:fld id="{6E91CC32-6A6B-4E2E-BBA1-6864F305DA26}" type="slidenum">
               <a:rPr lang="en-US" dirty="0"/>
-              <a:t>8</a:t>
+              <a:t>9</a:t>
             </a:fld>
             <a:endParaRPr lang="en-US" dirty="0"/>
           </a:p>
@@ -8757,215 +7845,6 @@
   <p:clrMapOvr>
     <a:masterClrMapping/>
   </p:clrMapOvr>
-  <p:timing>
-    <p:tnLst>
-      <p:par>
-        <p:cTn id="1" dur="indefinite" restart="never" nodeType="tmRoot">
-          <p:childTnLst>
-            <p:seq concurrent="1" nextAc="seek">
-              <p:cTn id="2" dur="indefinite" nodeType="mainSeq">
-                <p:childTnLst>
-                  <p:par>
-                    <p:cTn id="3" fill="hold">
-                      <p:stCondLst>
-                        <p:cond delay="indefinite"/>
-                      </p:stCondLst>
-                      <p:childTnLst>
-                        <p:par>
-                          <p:cTn id="4" fill="hold">
-                            <p:stCondLst>
-                              <p:cond delay="0"/>
-                            </p:stCondLst>
-                            <p:childTnLst>
-                              <p:par>
-                                <p:cTn id="5" presetID="10" presetClass="entr" presetSubtype="0" fill="hold" grpId="0" nodeType="clickEffect">
-                                  <p:stCondLst>
-                                    <p:cond delay="0"/>
-                                  </p:stCondLst>
-                                  <p:childTnLst>
-                                    <p:set>
-                                      <p:cBhvr>
-                                        <p:cTn id="6" dur="1" fill="hold">
-                                          <p:stCondLst>
-                                            <p:cond delay="0"/>
-                                          </p:stCondLst>
-                                        </p:cTn>
-                                        <p:tgtEl>
-                                          <p:spTgt spid="2"/>
-                                        </p:tgtEl>
-                                        <p:attrNameLst>
-                                          <p:attrName>style.visibility</p:attrName>
-                                        </p:attrNameLst>
-                                      </p:cBhvr>
-                                      <p:to>
-                                        <p:strVal val="visible"/>
-                                      </p:to>
-                                    </p:set>
-                                    <p:animEffect transition="in" filter="fade">
-                                      <p:cBhvr>
-                                        <p:cTn id="7" dur="500"/>
-                                        <p:tgtEl>
-                                          <p:spTgt spid="2"/>
-                                        </p:tgtEl>
-                                      </p:cBhvr>
-                                    </p:animEffect>
-                                  </p:childTnLst>
-                                </p:cTn>
-                              </p:par>
-                            </p:childTnLst>
-                          </p:cTn>
-                        </p:par>
-                      </p:childTnLst>
-                    </p:cTn>
-                  </p:par>
-                  <p:par>
-                    <p:cTn id="8" fill="hold">
-                      <p:stCondLst>
-                        <p:cond delay="indefinite"/>
-                      </p:stCondLst>
-                      <p:childTnLst>
-                        <p:par>
-                          <p:cTn id="9" fill="hold">
-                            <p:stCondLst>
-                              <p:cond delay="0"/>
-                            </p:stCondLst>
-                            <p:childTnLst>
-                              <p:par>
-                                <p:cTn id="10" presetID="10" presetClass="entr" presetSubtype="0" fill="hold" grpId="0" nodeType="clickEffect">
-                                  <p:stCondLst>
-                                    <p:cond delay="0"/>
-                                  </p:stCondLst>
-                                  <p:childTnLst>
-                                    <p:set>
-                                      <p:cBhvr>
-                                        <p:cTn id="11" dur="1" fill="hold">
-                                          <p:stCondLst>
-                                            <p:cond delay="0"/>
-                                          </p:stCondLst>
-                                        </p:cTn>
-                                        <p:tgtEl>
-                                          <p:spTgt spid="3">
-                                            <p:txEl>
-                                              <p:pRg st="0" end="0"/>
-                                            </p:txEl>
-                                          </p:spTgt>
-                                        </p:tgtEl>
-                                        <p:attrNameLst>
-                                          <p:attrName>style.visibility</p:attrName>
-                                        </p:attrNameLst>
-                                      </p:cBhvr>
-                                      <p:to>
-                                        <p:strVal val="visible"/>
-                                      </p:to>
-                                    </p:set>
-                                    <p:animEffect transition="in" filter="fade">
-                                      <p:cBhvr>
-                                        <p:cTn id="12" dur="500"/>
-                                        <p:tgtEl>
-                                          <p:spTgt spid="3">
-                                            <p:txEl>
-                                              <p:pRg st="0" end="0"/>
-                                            </p:txEl>
-                                          </p:spTgt>
-                                        </p:tgtEl>
-                                      </p:cBhvr>
-                                    </p:animEffect>
-                                  </p:childTnLst>
-                                </p:cTn>
-                              </p:par>
-                            </p:childTnLst>
-                          </p:cTn>
-                        </p:par>
-                      </p:childTnLst>
-                    </p:cTn>
-                  </p:par>
-                  <p:par>
-                    <p:cTn id="13" fill="hold">
-                      <p:stCondLst>
-                        <p:cond delay="indefinite"/>
-                      </p:stCondLst>
-                      <p:childTnLst>
-                        <p:par>
-                          <p:cTn id="14" fill="hold">
-                            <p:stCondLst>
-                              <p:cond delay="0"/>
-                            </p:stCondLst>
-                            <p:childTnLst>
-                              <p:par>
-                                <p:cTn id="15" presetID="10" presetClass="entr" presetSubtype="0" fill="hold" grpId="0" nodeType="clickEffect">
-                                  <p:stCondLst>
-                                    <p:cond delay="0"/>
-                                  </p:stCondLst>
-                                  <p:childTnLst>
-                                    <p:set>
-                                      <p:cBhvr>
-                                        <p:cTn id="16" dur="1" fill="hold">
-                                          <p:stCondLst>
-                                            <p:cond delay="0"/>
-                                          </p:stCondLst>
-                                        </p:cTn>
-                                        <p:tgtEl>
-                                          <p:spTgt spid="3">
-                                            <p:txEl>
-                                              <p:pRg st="1" end="1"/>
-                                            </p:txEl>
-                                          </p:spTgt>
-                                        </p:tgtEl>
-                                        <p:attrNameLst>
-                                          <p:attrName>style.visibility</p:attrName>
-                                        </p:attrNameLst>
-                                      </p:cBhvr>
-                                      <p:to>
-                                        <p:strVal val="visible"/>
-                                      </p:to>
-                                    </p:set>
-                                    <p:animEffect transition="in" filter="fade">
-                                      <p:cBhvr>
-                                        <p:cTn id="17" dur="500"/>
-                                        <p:tgtEl>
-                                          <p:spTgt spid="3">
-                                            <p:txEl>
-                                              <p:pRg st="1" end="1"/>
-                                            </p:txEl>
-                                          </p:spTgt>
-                                        </p:tgtEl>
-                                      </p:cBhvr>
-                                    </p:animEffect>
-                                  </p:childTnLst>
-                                </p:cTn>
-                              </p:par>
-                            </p:childTnLst>
-                          </p:cTn>
-                        </p:par>
-                      </p:childTnLst>
-                    </p:cTn>
-                  </p:par>
-                </p:childTnLst>
-              </p:cTn>
-              <p:prevCondLst>
-                <p:cond evt="onPrev" delay="0">
-                  <p:tgtEl>
-                    <p:sldTgt/>
-                  </p:tgtEl>
-                </p:cond>
-              </p:prevCondLst>
-              <p:nextCondLst>
-                <p:cond evt="onNext" delay="0">
-                  <p:tgtEl>
-                    <p:sldTgt/>
-                  </p:tgtEl>
-                </p:cond>
-              </p:nextCondLst>
-            </p:seq>
-          </p:childTnLst>
-        </p:cTn>
-      </p:par>
-    </p:tnLst>
-    <p:bldLst>
-      <p:bldP spid="2" grpId="0"/>
-      <p:bldP spid="3" grpId="0" build="p"/>
-    </p:bldLst>
-  </p:timing>
 </p:sld>
 </file>
 
